--- a/infographic.pptx
+++ b/infographic.pptx
@@ -104,6 +104,11 @@
       </a:defRPr>
     </a:lvl9pPr>
   </p:defaultTextStyle>
+  <p:extLst>
+    <p:ext uri="{EFAFB233-063F-42B5-8137-9DF3F51BA10A}">
+      <p15:sldGuideLst xmlns:p15="http://schemas.microsoft.com/office/powerpoint/2012/main"/>
+    </p:ext>
+  </p:extLst>
 </p:presentation>
 </file>
 
@@ -256,7 +261,7 @@
           <a:p>
             <a:fld id="{E2FC7561-C0F9-6E43-9601-29F674FD5A96}" type="datetimeFigureOut">
               <a:rPr lang="en-US" smtClean="0"/>
-              <a:t>9/6/23</a:t>
+              <a:t>9/18/23</a:t>
             </a:fld>
             <a:endParaRPr lang="en-US"/>
           </a:p>
@@ -456,7 +461,7 @@
           <a:p>
             <a:fld id="{E2FC7561-C0F9-6E43-9601-29F674FD5A96}" type="datetimeFigureOut">
               <a:rPr lang="en-US" smtClean="0"/>
-              <a:t>9/6/23</a:t>
+              <a:t>9/18/23</a:t>
             </a:fld>
             <a:endParaRPr lang="en-US"/>
           </a:p>
@@ -666,7 +671,7 @@
           <a:p>
             <a:fld id="{E2FC7561-C0F9-6E43-9601-29F674FD5A96}" type="datetimeFigureOut">
               <a:rPr lang="en-US" smtClean="0"/>
-              <a:t>9/6/23</a:t>
+              <a:t>9/18/23</a:t>
             </a:fld>
             <a:endParaRPr lang="en-US"/>
           </a:p>
@@ -866,7 +871,7 @@
           <a:p>
             <a:fld id="{E2FC7561-C0F9-6E43-9601-29F674FD5A96}" type="datetimeFigureOut">
               <a:rPr lang="en-US" smtClean="0"/>
-              <a:t>9/6/23</a:t>
+              <a:t>9/18/23</a:t>
             </a:fld>
             <a:endParaRPr lang="en-US"/>
           </a:p>
@@ -1142,7 +1147,7 @@
           <a:p>
             <a:fld id="{E2FC7561-C0F9-6E43-9601-29F674FD5A96}" type="datetimeFigureOut">
               <a:rPr lang="en-US" smtClean="0"/>
-              <a:t>9/6/23</a:t>
+              <a:t>9/18/23</a:t>
             </a:fld>
             <a:endParaRPr lang="en-US"/>
           </a:p>
@@ -1410,7 +1415,7 @@
           <a:p>
             <a:fld id="{E2FC7561-C0F9-6E43-9601-29F674FD5A96}" type="datetimeFigureOut">
               <a:rPr lang="en-US" smtClean="0"/>
-              <a:t>9/6/23</a:t>
+              <a:t>9/18/23</a:t>
             </a:fld>
             <a:endParaRPr lang="en-US"/>
           </a:p>
@@ -1825,7 +1830,7 @@
           <a:p>
             <a:fld id="{E2FC7561-C0F9-6E43-9601-29F674FD5A96}" type="datetimeFigureOut">
               <a:rPr lang="en-US" smtClean="0"/>
-              <a:t>9/6/23</a:t>
+              <a:t>9/18/23</a:t>
             </a:fld>
             <a:endParaRPr lang="en-US"/>
           </a:p>
@@ -1967,7 +1972,7 @@
           <a:p>
             <a:fld id="{E2FC7561-C0F9-6E43-9601-29F674FD5A96}" type="datetimeFigureOut">
               <a:rPr lang="en-US" smtClean="0"/>
-              <a:t>9/6/23</a:t>
+              <a:t>9/18/23</a:t>
             </a:fld>
             <a:endParaRPr lang="en-US"/>
           </a:p>
@@ -2080,7 +2085,7 @@
           <a:p>
             <a:fld id="{E2FC7561-C0F9-6E43-9601-29F674FD5A96}" type="datetimeFigureOut">
               <a:rPr lang="en-US" smtClean="0"/>
-              <a:t>9/6/23</a:t>
+              <a:t>9/18/23</a:t>
             </a:fld>
             <a:endParaRPr lang="en-US"/>
           </a:p>
@@ -2393,7 +2398,7 @@
           <a:p>
             <a:fld id="{E2FC7561-C0F9-6E43-9601-29F674FD5A96}" type="datetimeFigureOut">
               <a:rPr lang="en-US" smtClean="0"/>
-              <a:t>9/6/23</a:t>
+              <a:t>9/18/23</a:t>
             </a:fld>
             <a:endParaRPr lang="en-US"/>
           </a:p>
@@ -2682,7 +2687,7 @@
           <a:p>
             <a:fld id="{E2FC7561-C0F9-6E43-9601-29F674FD5A96}" type="datetimeFigureOut">
               <a:rPr lang="en-US" smtClean="0"/>
-              <a:t>9/6/23</a:t>
+              <a:t>9/18/23</a:t>
             </a:fld>
             <a:endParaRPr lang="en-US"/>
           </a:p>
@@ -2925,7 +2930,7 @@
           <a:p>
             <a:fld id="{E2FC7561-C0F9-6E43-9601-29F674FD5A96}" type="datetimeFigureOut">
               <a:rPr lang="en-US" smtClean="0"/>
-              <a:t>9/6/23</a:t>
+              <a:t>9/18/23</a:t>
             </a:fld>
             <a:endParaRPr lang="en-US"/>
           </a:p>
@@ -3385,10 +3390,10 @@
       </p:sp>
       <p:sp>
         <p:nvSpPr>
-          <p:cNvPr id="5" name="TextBox 4">
-            <a:extLst>
-              <a:ext uri="{FF2B5EF4-FFF2-40B4-BE49-F238E27FC236}">
-                <a16:creationId xmlns:a16="http://schemas.microsoft.com/office/drawing/2014/main" id="{06E98CE2-2A14-9AB0-4617-C31DCFA7A0C8}"/>
+          <p:cNvPr id="6" name="TextBox 5">
+            <a:extLst>
+              <a:ext uri="{FF2B5EF4-FFF2-40B4-BE49-F238E27FC236}">
+                <a16:creationId xmlns:a16="http://schemas.microsoft.com/office/drawing/2014/main" id="{23F445E0-D5E6-952D-4661-115078A600E5}"/>
               </a:ext>
             </a:extLst>
           </p:cNvPr>
@@ -3397,8 +3402,8 @@
         </p:nvSpPr>
         <p:spPr>
           <a:xfrm>
-            <a:off x="318686" y="1616416"/>
-            <a:ext cx="4289408" cy="1077218"/>
+            <a:off x="318686" y="866530"/>
+            <a:ext cx="4289409" cy="707886"/>
           </a:xfrm>
           <a:prstGeom prst="rect">
             <a:avLst/>
@@ -3413,7 +3418,7 @@
           <a:p>
             <a:r>
               <a:rPr lang="en-US" sz="1600" dirty="0"/>
-              <a:t>WHY IS THIS IMPORTANT</a:t>
+              <a:t>THE KEY QUESTION</a:t>
             </a:r>
           </a:p>
           <a:p>
@@ -3423,27 +3428,17 @@
             </a:pPr>
             <a:r>
               <a:rPr lang="en-US" sz="1200" dirty="0"/>
-              <a:t>We value health very highly , as the actions taken during the Covid-19 pandemic showed. </a:t>
-            </a:r>
-          </a:p>
-          <a:p>
-            <a:pPr marL="285750" indent="-285750">
-              <a:buFont typeface="Arial" panose="020B0604020202020204" pitchFamily="34" charset="0"/>
-              <a:buChar char="•"/>
-            </a:pPr>
-            <a:r>
-              <a:rPr lang="en-US" sz="1200" dirty="0"/>
-              <a:t>As people live longer, the incidence of age-related diseases has increased.</a:t>
-            </a:r>
-          </a:p>
-        </p:txBody>
-      </p:sp>
-      <p:sp>
-        <p:nvSpPr>
-          <p:cNvPr id="6" name="TextBox 5">
-            <a:extLst>
-              <a:ext uri="{FF2B5EF4-FFF2-40B4-BE49-F238E27FC236}">
-                <a16:creationId xmlns:a16="http://schemas.microsoft.com/office/drawing/2014/main" id="{23F445E0-D5E6-952D-4661-115078A600E5}"/>
+              <a:t>How large are the economic benefits of achieving healthy longevity?</a:t>
+            </a:r>
+          </a:p>
+        </p:txBody>
+      </p:sp>
+      <p:sp>
+        <p:nvSpPr>
+          <p:cNvPr id="7" name="TextBox 6">
+            <a:extLst>
+              <a:ext uri="{FF2B5EF4-FFF2-40B4-BE49-F238E27FC236}">
+                <a16:creationId xmlns:a16="http://schemas.microsoft.com/office/drawing/2014/main" id="{75DBA3A6-DBBC-5056-7759-308E393FC508}"/>
               </a:ext>
             </a:extLst>
           </p:cNvPr>
@@ -3452,8 +3447,8 @@
         </p:nvSpPr>
         <p:spPr>
           <a:xfrm>
-            <a:off x="318686" y="866530"/>
-            <a:ext cx="4289409" cy="523220"/>
+            <a:off x="7147034" y="5600445"/>
+            <a:ext cx="4955552" cy="1477328"/>
           </a:xfrm>
           <a:prstGeom prst="rect">
             <a:avLst/>
@@ -3468,7 +3463,7 @@
           <a:p>
             <a:r>
               <a:rPr lang="en-US" sz="1600" dirty="0"/>
-              <a:t>THE KEY QUESTION</a:t>
+              <a:t>CONCLUSIONS</a:t>
             </a:r>
           </a:p>
           <a:p>
@@ -3478,17 +3473,52 @@
             </a:pPr>
             <a:r>
               <a:rPr lang="en-US" sz="1200" dirty="0"/>
-              <a:t>How great are the benefits of achieving healthy longevity?</a:t>
-            </a:r>
-          </a:p>
-        </p:txBody>
-      </p:sp>
-      <p:sp>
-        <p:nvSpPr>
-          <p:cNvPr id="7" name="TextBox 6">
-            <a:extLst>
-              <a:ext uri="{FF2B5EF4-FFF2-40B4-BE49-F238E27FC236}">
-                <a16:creationId xmlns:a16="http://schemas.microsoft.com/office/drawing/2014/main" id="{75DBA3A6-DBBC-5056-7759-308E393FC508}"/>
+              <a:t>Health longevity is hugely valuable and needs to be a priority</a:t>
+            </a:r>
+          </a:p>
+          <a:p>
+            <a:pPr marL="285750" indent="-285750">
+              <a:buFont typeface="Arial" panose="020B0604020202020204" pitchFamily="34" charset="0"/>
+              <a:buChar char="•"/>
+            </a:pPr>
+            <a:r>
+              <a:rPr lang="en-US" sz="1200" dirty="0"/>
+              <a:t>There is a virtuous circle – the longer we live and the older society gets, the more valuable healthy longevity becomes. </a:t>
+            </a:r>
+          </a:p>
+          <a:p>
+            <a:pPr marL="285750" indent="-285750">
+              <a:buFont typeface="Arial" panose="020B0604020202020204" pitchFamily="34" charset="0"/>
+              <a:buChar char="•"/>
+            </a:pPr>
+            <a:r>
+              <a:rPr lang="en-US" sz="1200" dirty="0"/>
+              <a:t>Achieving healthy longevity has never been so important and </a:t>
+            </a:r>
+            <a:r>
+              <a:rPr lang="en-US" sz="1200"/>
+              <a:t>is only </a:t>
+            </a:r>
+            <a:r>
+              <a:rPr lang="en-US" sz="1200" dirty="0"/>
+              <a:t>set to become even more important</a:t>
+            </a:r>
+          </a:p>
+          <a:p>
+            <a:pPr marL="285750" indent="-285750">
+              <a:buFont typeface="Arial" panose="020B0604020202020204" pitchFamily="34" charset="0"/>
+              <a:buChar char="•"/>
+            </a:pPr>
+            <a:endParaRPr lang="en-US" sz="1400" dirty="0"/>
+          </a:p>
+        </p:txBody>
+      </p:sp>
+      <p:sp>
+        <p:nvSpPr>
+          <p:cNvPr id="8" name="TextBox 7">
+            <a:extLst>
+              <a:ext uri="{FF2B5EF4-FFF2-40B4-BE49-F238E27FC236}">
+                <a16:creationId xmlns:a16="http://schemas.microsoft.com/office/drawing/2014/main" id="{ACE11FA8-FDF2-B688-B5B6-35EC3E01BE14}"/>
               </a:ext>
             </a:extLst>
           </p:cNvPr>
@@ -3497,8 +3527,8 @@
         </p:nvSpPr>
         <p:spPr>
           <a:xfrm>
-            <a:off x="7511766" y="5663507"/>
-            <a:ext cx="4590820" cy="1107996"/>
+            <a:off x="318686" y="1574984"/>
+            <a:ext cx="4289408" cy="1815882"/>
           </a:xfrm>
           <a:prstGeom prst="rect">
             <a:avLst/>
@@ -3513,7 +3543,7 @@
           <a:p>
             <a:r>
               <a:rPr lang="en-US" sz="1600" dirty="0"/>
-              <a:t>CONCLUSIONS</a:t>
+              <a:t>METHODOLOGY</a:t>
             </a:r>
           </a:p>
           <a:p>
@@ -3523,7 +3553,7 @@
             </a:pPr>
             <a:r>
               <a:rPr lang="en-US" sz="1200" dirty="0"/>
-              <a:t>Health longevity is hugely valuable</a:t>
+              <a:t>We use economic tools to place a dollar value on improvements in health and life expectancy are.</a:t>
             </a:r>
           </a:p>
           <a:p>
@@ -3533,7 +3563,44 @@
             </a:pPr>
             <a:r>
               <a:rPr lang="en-US" sz="1200" dirty="0"/>
-              <a:t>There is a virtuous circle – the longer we live and the older society gets, the more valuable healthy longevity becomes. </a:t>
+              <a:t>Building on past work </a:t>
+            </a:r>
+            <a:r>
+              <a:rPr lang="en-GB" sz="1200" b="0" i="0" u="none" strike="noStrike" dirty="0">
+                <a:solidFill>
+                  <a:srgbClr val="222222"/>
+                </a:solidFill>
+                <a:effectLst/>
+                <a:latin typeface="-apple-system"/>
+                <a:hlinkClick r:id="rId2"/>
+              </a:rPr>
+              <a:t>https://</a:t>
+            </a:r>
+            <a:r>
+              <a:rPr lang="en-GB" sz="1200" b="0" i="0" u="none" strike="noStrike" dirty="0" err="1">
+                <a:solidFill>
+                  <a:srgbClr val="222222"/>
+                </a:solidFill>
+                <a:effectLst/>
+                <a:latin typeface="-apple-system"/>
+                <a:hlinkClick r:id="rId2"/>
+              </a:rPr>
+              <a:t>doi.org</a:t>
+            </a:r>
+            <a:r>
+              <a:rPr lang="en-GB" sz="1200" b="0" i="0" u="none" strike="noStrike" dirty="0">
+                <a:solidFill>
+                  <a:srgbClr val="222222"/>
+                </a:solidFill>
+                <a:effectLst/>
+                <a:latin typeface="-apple-system"/>
+                <a:hlinkClick r:id="rId2"/>
+              </a:rPr>
+              <a:t>/10.1038/s43587-021-00080-0</a:t>
+            </a:r>
+            <a:r>
+              <a:rPr lang="en-US" sz="1200" dirty="0"/>
+              <a:t>, we apply these tools internationally across a range of countries. </a:t>
             </a:r>
           </a:p>
           <a:p>
@@ -3541,16 +3608,19 @@
               <a:buFont typeface="Arial" panose="020B0604020202020204" pitchFamily="34" charset="0"/>
               <a:buChar char="•"/>
             </a:pPr>
-            <a:endParaRPr lang="en-US" sz="1400" dirty="0"/>
-          </a:p>
-        </p:txBody>
-      </p:sp>
-      <p:sp>
-        <p:nvSpPr>
-          <p:cNvPr id="8" name="TextBox 7">
-            <a:extLst>
-              <a:ext uri="{FF2B5EF4-FFF2-40B4-BE49-F238E27FC236}">
-                <a16:creationId xmlns:a16="http://schemas.microsoft.com/office/drawing/2014/main" id="{ACE11FA8-FDF2-B688-B5B6-35EC3E01BE14}"/>
+            <a:r>
+              <a:rPr lang="en-US" sz="1200" dirty="0"/>
+              <a:t>Modelling is based on the Value of a Statistical Life, which quantifies how much people are willing to pay to live slightly longer or be slightly healthier.</a:t>
+            </a:r>
+          </a:p>
+        </p:txBody>
+      </p:sp>
+      <p:sp>
+        <p:nvSpPr>
+          <p:cNvPr id="9" name="TextBox 8">
+            <a:extLst>
+              <a:ext uri="{FF2B5EF4-FFF2-40B4-BE49-F238E27FC236}">
+                <a16:creationId xmlns:a16="http://schemas.microsoft.com/office/drawing/2014/main" id="{F8A5A8DB-7347-5C4F-2FE1-BFF40C5EFF51}"/>
               </a:ext>
             </a:extLst>
           </p:cNvPr>
@@ -3559,8 +3629,8 @@
         </p:nvSpPr>
         <p:spPr>
           <a:xfrm>
-            <a:off x="318686" y="2920300"/>
-            <a:ext cx="4289408" cy="1631216"/>
+            <a:off x="2062092" y="3411952"/>
+            <a:ext cx="2773041" cy="3108543"/>
           </a:xfrm>
           <a:prstGeom prst="rect">
             <a:avLst/>
@@ -3575,7 +3645,7 @@
           <a:p>
             <a:r>
               <a:rPr lang="en-US" sz="1600" dirty="0"/>
-              <a:t>METHODOLOGY</a:t>
+              <a:t>VALUE OF SLOWING AGING</a:t>
             </a:r>
           </a:p>
           <a:p>
@@ -3585,7 +3655,15 @@
             </a:pPr>
             <a:r>
               <a:rPr lang="en-US" sz="1200" dirty="0"/>
-              <a:t>We use economic tools to quantify how valuable improvements in health and life expectancy are.</a:t>
+              <a:t>Ageing well is incredibly valuable - an extra year of life expectancy through slowing aging is equivalent to extra 4-5% GDP </a:t>
+            </a:r>
+            <a:r>
+              <a:rPr lang="en-US" sz="1200" i="1" dirty="0"/>
+              <a:t>every year</a:t>
+            </a:r>
+            <a:r>
+              <a:rPr lang="en-US" sz="1200" dirty="0"/>
+              <a:t>. </a:t>
             </a:r>
           </a:p>
           <a:p>
@@ -3595,7 +3673,7 @@
             </a:pPr>
             <a:r>
               <a:rPr lang="en-US" sz="1200" dirty="0"/>
-              <a:t>Building on past work, we apply these tools internationally across a range of countries. </a:t>
+              <a:t>Slowing aging has become more valuable as people live longer, fertility falls and there are more older people. </a:t>
             </a:r>
           </a:p>
           <a:p>
@@ -3605,17 +3683,27 @@
             </a:pPr>
             <a:r>
               <a:rPr lang="en-US" sz="1200" dirty="0"/>
-              <a:t>Modelling is based on the Value of a Statistical Life, which quantifies how much people are willing to pay to live slightly longer or be slightly healthier.</a:t>
-            </a:r>
-          </a:p>
-        </p:txBody>
-      </p:sp>
-      <p:sp>
-        <p:nvSpPr>
-          <p:cNvPr id="9" name="TextBox 8">
-            <a:extLst>
-              <a:ext uri="{FF2B5EF4-FFF2-40B4-BE49-F238E27FC236}">
-                <a16:creationId xmlns:a16="http://schemas.microsoft.com/office/drawing/2014/main" id="{F8A5A8DB-7347-5C4F-2FE1-BFF40C5EFF51}"/>
+              <a:t>Improving both health and life expectancy together is very valuable as it unlocks complementarities</a:t>
+            </a:r>
+          </a:p>
+          <a:p>
+            <a:pPr marL="285750" indent="-285750">
+              <a:buFont typeface="Arial" panose="020B0604020202020204" pitchFamily="34" charset="0"/>
+              <a:buChar char="•"/>
+            </a:pPr>
+            <a:r>
+              <a:rPr lang="en-US" sz="1200" dirty="0"/>
+              <a:t>A health priority is to tackle the underlying causes of ageing, socio-economic as well as biological, not just deal with the symptoms.</a:t>
+            </a:r>
+          </a:p>
+        </p:txBody>
+      </p:sp>
+      <p:sp>
+        <p:nvSpPr>
+          <p:cNvPr id="10" name="TextBox 9">
+            <a:extLst>
+              <a:ext uri="{FF2B5EF4-FFF2-40B4-BE49-F238E27FC236}">
+                <a16:creationId xmlns:a16="http://schemas.microsoft.com/office/drawing/2014/main" id="{7CE719F1-8ECB-996A-372E-EA313A430D34}"/>
               </a:ext>
             </a:extLst>
           </p:cNvPr>
@@ -3624,8 +3712,8 @@
         </p:nvSpPr>
         <p:spPr>
           <a:xfrm>
-            <a:off x="340501" y="4778182"/>
-            <a:ext cx="4289409" cy="1631216"/>
+            <a:off x="7051860" y="680277"/>
+            <a:ext cx="5050727" cy="1446550"/>
           </a:xfrm>
           <a:prstGeom prst="rect">
             <a:avLst/>
@@ -3640,7 +3728,7 @@
           <a:p>
             <a:r>
               <a:rPr lang="en-US" sz="1600" dirty="0"/>
-              <a:t>VALUE OF SLOWING AGING</a:t>
+              <a:t>WELFARE IMPLICATIONS</a:t>
             </a:r>
           </a:p>
           <a:p>
@@ -3650,7 +3738,7 @@
             </a:pPr>
             <a:r>
               <a:rPr lang="en-US" sz="1200" dirty="0"/>
-              <a:t>Slowing aging has become more valuable as people live longer and fertility falls. </a:t>
+              <a:t>Putting a $ value on health improvements means we can add these to GDP growth to get a broader measure of welfare</a:t>
             </a:r>
           </a:p>
           <a:p>
@@ -3660,7 +3748,7 @@
             </a:pPr>
             <a:r>
               <a:rPr lang="en-US" sz="1200" dirty="0"/>
-              <a:t>Improving both health and life expectancy is much more valuable than each individually. </a:t>
+              <a:t>Historically the value of health improvements worth more than increase in GDP</a:t>
             </a:r>
           </a:p>
           <a:p>
@@ -3670,90 +3758,7 @@
             </a:pPr>
             <a:r>
               <a:rPr lang="en-US" sz="1200" dirty="0"/>
-              <a:t>It is therefore crucial to treat aging, not just its symptoms.</a:t>
-            </a:r>
-          </a:p>
-          <a:p>
-            <a:pPr marL="285750" indent="-285750">
-              <a:buFont typeface="Arial" panose="020B0604020202020204" pitchFamily="34" charset="0"/>
-              <a:buChar char="•"/>
-            </a:pPr>
-            <a:r>
-              <a:rPr lang="en-US" sz="1200" dirty="0"/>
-              <a:t>One extra year of life expectancy through slowing aging is equivalent to extra 4-5% GDP </a:t>
-            </a:r>
-            <a:r>
-              <a:rPr lang="en-US" sz="1200" i="1" dirty="0"/>
-              <a:t>every year</a:t>
-            </a:r>
-            <a:r>
-              <a:rPr lang="en-US" sz="1200" dirty="0"/>
-              <a:t>. </a:t>
-            </a:r>
-          </a:p>
-        </p:txBody>
-      </p:sp>
-      <p:sp>
-        <p:nvSpPr>
-          <p:cNvPr id="10" name="TextBox 9">
-            <a:extLst>
-              <a:ext uri="{FF2B5EF4-FFF2-40B4-BE49-F238E27FC236}">
-                <a16:creationId xmlns:a16="http://schemas.microsoft.com/office/drawing/2014/main" id="{7CE719F1-8ECB-996A-372E-EA313A430D34}"/>
-              </a:ext>
-            </a:extLst>
-          </p:cNvPr>
-          <p:cNvSpPr txBox="1"/>
-          <p:nvPr/>
-        </p:nvSpPr>
-        <p:spPr>
-          <a:xfrm>
-            <a:off x="7304159" y="732828"/>
-            <a:ext cx="4798427" cy="1261884"/>
-          </a:xfrm>
-          <a:prstGeom prst="rect">
-            <a:avLst/>
-          </a:prstGeom>
-          <a:noFill/>
-        </p:spPr>
-        <p:txBody>
-          <a:bodyPr wrap="square" rtlCol="0">
-            <a:spAutoFit/>
-          </a:bodyPr>
-          <a:lstStyle/>
-          <a:p>
-            <a:r>
-              <a:rPr lang="en-US" sz="1600" dirty="0"/>
-              <a:t>HISTORICAL PERFORMANCE</a:t>
-            </a:r>
-          </a:p>
-          <a:p>
-            <a:pPr marL="285750" indent="-285750">
-              <a:buFont typeface="Arial" panose="020B0604020202020204" pitchFamily="34" charset="0"/>
-              <a:buChar char="•"/>
-            </a:pPr>
-            <a:r>
-              <a:rPr lang="en-US" sz="1200" dirty="0"/>
-              <a:t>Historically, improvements in healthy longevity have been at more valuable than economic growth.</a:t>
-            </a:r>
-          </a:p>
-          <a:p>
-            <a:pPr marL="285750" indent="-285750">
-              <a:buFont typeface="Arial" panose="020B0604020202020204" pitchFamily="34" charset="0"/>
-              <a:buChar char="•"/>
-            </a:pPr>
-            <a:r>
-              <a:rPr lang="en-US" sz="1200" dirty="0"/>
-              <a:t>Stark differences in performance across rich countries. </a:t>
-            </a:r>
-          </a:p>
-          <a:p>
-            <a:pPr marL="285750" indent="-285750">
-              <a:buFont typeface="Arial" panose="020B0604020202020204" pitchFamily="34" charset="0"/>
-              <a:buChar char="•"/>
-            </a:pPr>
-            <a:r>
-              <a:rPr lang="en-US" sz="1200" dirty="0"/>
-              <a:t>When accounting for health outcomes, USA became worse off from 2009 to 2018.</a:t>
+              <a:t>Stark differences in performance across rich countries. For instance,  the USA has become worse off since 2009 due to declining health</a:t>
             </a:r>
           </a:p>
         </p:txBody>
@@ -3772,7 +3777,7 @@
         </p:nvGrpSpPr>
         <p:grpSpPr>
           <a:xfrm>
-            <a:off x="4860393" y="3977769"/>
+            <a:off x="4896489" y="4025897"/>
             <a:ext cx="2191467" cy="2433600"/>
             <a:chOff x="3569367" y="4200970"/>
             <a:chExt cx="2191467" cy="2435122"/>
@@ -3793,7 +3798,7 @@
             <p:nvPr/>
           </p:nvPicPr>
           <p:blipFill rotWithShape="1">
-            <a:blip r:embed="rId2"/>
+            <a:blip r:embed="rId3"/>
             <a:srcRect r="48471"/>
             <a:stretch/>
           </p:blipFill>
@@ -3861,7 +3866,7 @@
         </p:nvGrpSpPr>
         <p:grpSpPr>
           <a:xfrm>
-            <a:off x="4892909" y="1020327"/>
+            <a:off x="4929005" y="1068455"/>
             <a:ext cx="2126436" cy="2431896"/>
             <a:chOff x="6680278" y="4200970"/>
             <a:chExt cx="2126436" cy="2431896"/>
@@ -3882,7 +3887,7 @@
             <p:nvPr/>
           </p:nvPicPr>
           <p:blipFill rotWithShape="1">
-            <a:blip r:embed="rId2"/>
+            <a:blip r:embed="rId3"/>
             <a:srcRect l="50000"/>
             <a:stretch/>
           </p:blipFill>
@@ -3950,8 +3955,8 @@
         </p:nvGrpSpPr>
         <p:grpSpPr>
           <a:xfrm>
-            <a:off x="7668181" y="2066267"/>
-            <a:ext cx="3965484" cy="3636706"/>
+            <a:off x="7325974" y="2066267"/>
+            <a:ext cx="4307691" cy="3636706"/>
             <a:chOff x="7511766" y="1933915"/>
             <a:chExt cx="4052733" cy="3716721"/>
           </a:xfrm>
@@ -3971,7 +3976,7 @@
             <p:nvPr/>
           </p:nvPicPr>
           <p:blipFill>
-            <a:blip r:embed="rId3"/>
+            <a:blip r:embed="rId4"/>
             <a:stretch>
               <a:fillRect/>
             </a:stretch>
@@ -4026,6 +4031,36 @@
           </p:txBody>
         </p:sp>
       </p:grpSp>
+      <p:pic>
+        <p:nvPicPr>
+          <p:cNvPr id="5" name="Picture 4">
+            <a:extLst>
+              <a:ext uri="{FF2B5EF4-FFF2-40B4-BE49-F238E27FC236}">
+                <a16:creationId xmlns:a16="http://schemas.microsoft.com/office/drawing/2014/main" id="{8223DE68-AA1E-8E3A-5E4F-500140FFF6CA}"/>
+              </a:ext>
+            </a:extLst>
+          </p:cNvPr>
+          <p:cNvPicPr>
+            <a:picLocks noChangeAspect="1"/>
+          </p:cNvPicPr>
+          <p:nvPr/>
+        </p:nvPicPr>
+        <p:blipFill>
+          <a:blip r:embed="rId5"/>
+          <a:stretch>
+            <a:fillRect/>
+          </a:stretch>
+        </p:blipFill>
+        <p:spPr>
+          <a:xfrm>
+            <a:off x="362712" y="3390866"/>
+            <a:ext cx="1676856" cy="3292736"/>
+          </a:xfrm>
+          <a:prstGeom prst="rect">
+            <a:avLst/>
+          </a:prstGeom>
+        </p:spPr>
+      </p:pic>
     </p:spTree>
     <p:extLst>
       <p:ext uri="{BB962C8B-B14F-4D97-AF65-F5344CB8AC3E}">
